--- a/Presentations/GibHub for Project Management_FINAL.pptx
+++ b/Presentations/GibHub for Project Management_FINAL.pptx
@@ -126,7 +126,7 @@
   </p:defaultTextStyle>
   <p:extLst>
     <p:ext uri="{EFAFB233-063F-42B5-8137-9DF3F51BA10A}">
-      <p15:sldGuideLst xmlns:p15="http://schemas.microsoft.com/office/powerpoint/2012/main"/>
+      <p15:sldGuideLst xmlns:p15="http://schemas.microsoft.com/office/powerpoint/2012/main" xmlns=""/>
     </p:ext>
   </p:extLst>
 </p:presentation>
@@ -800,11 +800,7 @@
             </a:r>
             <a:r>
               <a:rPr lang="en-US" baseline="0" dirty="0" smtClean="0"/>
-              <a:t> tab and look at their </a:t>
-            </a:r>
-            <a:r>
-              <a:rPr lang="en-US" baseline="0" dirty="0" smtClean="0"/>
-              <a:t>“Best practices, GitHub repos”. </a:t>
+              <a:t> tab and look at their “Best practices, GitHub repos”. </a:t>
             </a:r>
             <a:endParaRPr lang="en-US" dirty="0"/>
           </a:p>
@@ -2016,6 +2012,88 @@
           <a:chExt cx="0" cy="0"/>
         </a:xfrm>
       </p:grpSpPr>
+      <p:pic>
+        <p:nvPicPr>
+          <p:cNvPr id="1028" name="Picture 4" descr="Image result for pepfar logo"/>
+          <p:cNvPicPr>
+            <a:picLocks noChangeAspect="1" noChangeArrowheads="1"/>
+          </p:cNvPicPr>
+          <p:nvPr userDrawn="1"/>
+        </p:nvPicPr>
+        <p:blipFill>
+          <a:blip r:embed="rId2" cstate="print">
+            <a:extLst>
+              <a:ext uri="{28A0092B-C50C-407E-A947-70E740481C1C}">
+                <a14:useLocalDpi xmlns:a14="http://schemas.microsoft.com/office/drawing/2010/main" val="0"/>
+              </a:ext>
+            </a:extLst>
+          </a:blip>
+          <a:srcRect/>
+          <a:stretch>
+            <a:fillRect/>
+          </a:stretch>
+        </p:blipFill>
+        <p:spPr bwMode="auto">
+          <a:xfrm>
+            <a:off x="403210" y="179122"/>
+            <a:ext cx="1112838" cy="1344309"/>
+          </a:xfrm>
+          <a:prstGeom prst="rect">
+            <a:avLst/>
+          </a:prstGeom>
+          <a:noFill/>
+          <a:extLst>
+            <a:ext uri="{909E8E84-426E-40DD-AFC4-6F175D3DCCD1}">
+              <a14:hiddenFill xmlns:a14="http://schemas.microsoft.com/office/drawing/2010/main">
+                <a:solidFill>
+                  <a:srgbClr val="FFFFFF"/>
+                </a:solidFill>
+              </a14:hiddenFill>
+            </a:ext>
+          </a:extLst>
+        </p:spPr>
+      </p:pic>
+      <p:pic>
+        <p:nvPicPr>
+          <p:cNvPr id="1026" name="Picture 2" descr="C:\Users\achafetz\Documents\GitHub\DIV\ICPI_Logo\ICPI_logo.png"/>
+          <p:cNvPicPr>
+            <a:picLocks noChangeAspect="1" noChangeArrowheads="1"/>
+          </p:cNvPicPr>
+          <p:nvPr userDrawn="1"/>
+        </p:nvPicPr>
+        <p:blipFill>
+          <a:blip r:embed="rId3" cstate="print">
+            <a:extLst>
+              <a:ext uri="{28A0092B-C50C-407E-A947-70E740481C1C}">
+                <a14:useLocalDpi xmlns:a14="http://schemas.microsoft.com/office/drawing/2010/main" val="0"/>
+              </a:ext>
+            </a:extLst>
+          </a:blip>
+          <a:srcRect/>
+          <a:stretch>
+            <a:fillRect/>
+          </a:stretch>
+        </p:blipFill>
+        <p:spPr bwMode="auto">
+          <a:xfrm>
+            <a:off x="10439399" y="152644"/>
+            <a:ext cx="1212069" cy="1397266"/>
+          </a:xfrm>
+          <a:prstGeom prst="rect">
+            <a:avLst/>
+          </a:prstGeom>
+          <a:noFill/>
+          <a:extLst>
+            <a:ext uri="{909E8E84-426E-40DD-AFC4-6F175D3DCCD1}">
+              <a14:hiddenFill xmlns:a14="http://schemas.microsoft.com/office/drawing/2010/main">
+                <a:solidFill>
+                  <a:srgbClr val="FFFFFF"/>
+                </a:solidFill>
+              </a14:hiddenFill>
+            </a:ext>
+          </a:extLst>
+        </p:spPr>
+      </p:pic>
       <p:sp>
         <p:nvSpPr>
           <p:cNvPr id="7" name="Right Triangle 6"/>
@@ -2364,30 +2442,6 @@
           </a:p>
         </p:txBody>
       </p:sp>
-      <p:pic>
-        <p:nvPicPr>
-          <p:cNvPr id="9" name="Picture 8" descr="PEPFAR Logo (JPG format).jpg"/>
-          <p:cNvPicPr>
-            <a:picLocks noChangeAspect="1"/>
-          </p:cNvPicPr>
-          <p:nvPr userDrawn="1"/>
-        </p:nvPicPr>
-        <p:blipFill>
-          <a:blip r:embed="rId2" cstate="print"/>
-          <a:stretch>
-            <a:fillRect/>
-          </a:stretch>
-        </p:blipFill>
-        <p:spPr>
-          <a:xfrm>
-            <a:off x="60960" y="54864"/>
-            <a:ext cx="2174240" cy="1630680"/>
-          </a:xfrm>
-          <a:prstGeom prst="rect">
-            <a:avLst/>
-          </a:prstGeom>
-        </p:spPr>
-      </p:pic>
       <p:sp>
         <p:nvSpPr>
           <p:cNvPr id="12" name="TextBox 11"/>
@@ -2396,7 +2450,7 @@
         </p:nvSpPr>
         <p:spPr>
           <a:xfrm>
-            <a:off x="1320800" y="387459"/>
+            <a:off x="576172" y="365803"/>
             <a:ext cx="4470400" cy="907941"/>
           </a:xfrm>
           <a:prstGeom prst="rect">
@@ -2481,36 +2535,6 @@
           </a:p>
         </p:txBody>
       </p:sp>
-      <p:pic>
-        <p:nvPicPr>
-          <p:cNvPr id="3" name="Picture 2"/>
-          <p:cNvPicPr>
-            <a:picLocks noChangeAspect="1"/>
-          </p:cNvPicPr>
-          <p:nvPr userDrawn="1"/>
-        </p:nvPicPr>
-        <p:blipFill>
-          <a:blip r:embed="rId3" cstate="print">
-            <a:extLst>
-              <a:ext uri="{28A0092B-C50C-407E-A947-70E740481C1C}">
-                <a14:useLocalDpi xmlns:a14="http://schemas.microsoft.com/office/drawing/2010/main" val="0"/>
-              </a:ext>
-            </a:extLst>
-          </a:blip>
-          <a:stretch>
-            <a:fillRect/>
-          </a:stretch>
-        </p:blipFill>
-        <p:spPr>
-          <a:xfrm>
-            <a:off x="10058400" y="152644"/>
-            <a:ext cx="1593069" cy="1377568"/>
-          </a:xfrm>
-          <a:prstGeom prst="rect">
-            <a:avLst/>
-          </a:prstGeom>
-        </p:spPr>
-      </p:pic>
     </p:spTree>
     <p:extLst>
       <p:ext uri="{BB962C8B-B14F-4D97-AF65-F5344CB8AC3E}">
@@ -3059,6 +3083,13 @@
   <p:clrMapOvr>
     <a:masterClrMapping/>
   </p:clrMapOvr>
+  <p:timing>
+    <p:tnLst>
+      <p:par>
+        <p:cTn id="1" dur="indefinite" restart="never" nodeType="tmRoot"/>
+      </p:par>
+    </p:tnLst>
+  </p:timing>
 </p:sldLayout>
 </file>
 
@@ -3536,6 +3567,13 @@
   <p:clrMapOvr>
     <a:masterClrMapping/>
   </p:clrMapOvr>
+  <p:timing>
+    <p:tnLst>
+      <p:par>
+        <p:cTn id="1" dur="indefinite" restart="never" nodeType="tmRoot"/>
+      </p:par>
+    </p:tnLst>
+  </p:timing>
 </p:sldLayout>
 </file>
 
@@ -3595,9 +3633,16 @@
   <p:clrMapOvr>
     <a:masterClrMapping/>
   </p:clrMapOvr>
+  <p:timing>
+    <p:tnLst>
+      <p:par>
+        <p:cTn id="1" dur="indefinite" restart="never" nodeType="tmRoot"/>
+      </p:par>
+    </p:tnLst>
+  </p:timing>
   <p:extLst mod="1">
     <p:ext uri="{DCECCB84-F9BA-43D5-87BE-67443E8EF086}">
-      <p15:sldGuideLst xmlns:p15="http://schemas.microsoft.com/office/powerpoint/2012/main">
+      <p15:sldGuideLst xmlns:p15="http://schemas.microsoft.com/office/powerpoint/2012/main" xmlns="">
         <p15:guide id="1" orient="horz" pos="2160">
           <p15:clr>
             <a:srgbClr val="FBAE40"/>
@@ -3886,32 +3931,50 @@
       </p:sp>
       <p:pic>
         <p:nvPicPr>
-          <p:cNvPr id="7" name="Picture 6" descr="PEPFAR Logo (JPG format).jpg"/>
+          <p:cNvPr id="2050" name="Picture 2" descr="Image result for pepfar logo"/>
           <p:cNvPicPr>
-            <a:picLocks noChangeAspect="1"/>
+            <a:picLocks noChangeAspect="1" noChangeArrowheads="1"/>
           </p:cNvPicPr>
           <p:nvPr userDrawn="1"/>
         </p:nvPicPr>
-        <p:blipFill rotWithShape="1">
-          <a:blip r:embed="rId2" cstate="print"/>
-          <a:srcRect l="8681" t="8771" r="13513" b="13557"/>
-          <a:stretch/>
+        <p:blipFill>
+          <a:blip r:embed="rId2" cstate="print">
+            <a:extLst>
+              <a:ext uri="{28A0092B-C50C-407E-A947-70E740481C1C}">
+                <a14:useLocalDpi xmlns:a14="http://schemas.microsoft.com/office/drawing/2010/main" val="0"/>
+              </a:ext>
+            </a:extLst>
+          </a:blip>
+          <a:srcRect/>
+          <a:stretch>
+            <a:fillRect/>
+          </a:stretch>
         </p:blipFill>
-        <p:spPr>
+        <p:spPr bwMode="auto">
           <a:xfrm>
-            <a:off x="791952" y="6388946"/>
-            <a:ext cx="610657" cy="457200"/>
+            <a:off x="680783" y="6400800"/>
+            <a:ext cx="378477" cy="457200"/>
           </a:xfrm>
           <a:prstGeom prst="rect">
             <a:avLst/>
           </a:prstGeom>
+          <a:noFill/>
+          <a:extLst>
+            <a:ext uri="{909E8E84-426E-40DD-AFC4-6F175D3DCCD1}">
+              <a14:hiddenFill xmlns:a14="http://schemas.microsoft.com/office/drawing/2010/main">
+                <a:solidFill>
+                  <a:srgbClr val="FFFFFF"/>
+                </a:solidFill>
+              </a14:hiddenFill>
+            </a:ext>
+          </a:extLst>
         </p:spPr>
       </p:pic>
       <p:pic>
         <p:nvPicPr>
-          <p:cNvPr id="8" name="Picture 7"/>
+          <p:cNvPr id="9" name="Picture 2" descr="C:\Users\achafetz\Documents\GitHub\DIV\ICPI_Logo\ICPI_logo.png"/>
           <p:cNvPicPr>
-            <a:picLocks noChangeAspect="1"/>
+            <a:picLocks noChangeAspect="1" noChangeArrowheads="1"/>
           </p:cNvPicPr>
           <p:nvPr userDrawn="1"/>
         </p:nvPicPr>
@@ -3923,18 +3986,29 @@
               </a:ext>
             </a:extLst>
           </a:blip>
+          <a:srcRect/>
           <a:stretch>
             <a:fillRect/>
           </a:stretch>
         </p:blipFill>
-        <p:spPr>
+        <p:spPr bwMode="auto">
           <a:xfrm>
-            <a:off x="126033" y="6400800"/>
-            <a:ext cx="528723" cy="457200"/>
+            <a:off x="186221" y="6400799"/>
+            <a:ext cx="389226" cy="448697"/>
           </a:xfrm>
           <a:prstGeom prst="rect">
             <a:avLst/>
           </a:prstGeom>
+          <a:noFill/>
+          <a:extLst>
+            <a:ext uri="{909E8E84-426E-40DD-AFC4-6F175D3DCCD1}">
+              <a14:hiddenFill xmlns:a14="http://schemas.microsoft.com/office/drawing/2010/main">
+                <a:solidFill>
+                  <a:srgbClr val="FFFFFF"/>
+                </a:solidFill>
+              </a14:hiddenFill>
+            </a:ext>
+          </a:extLst>
         </p:spPr>
       </p:pic>
     </p:spTree>
@@ -4355,9 +4429,9 @@
       </p:sp>
       <p:pic>
         <p:nvPicPr>
-          <p:cNvPr id="12" name="Picture 11"/>
+          <p:cNvPr id="9" name="Picture 2" descr="Image result for pepfar logo"/>
           <p:cNvPicPr>
-            <a:picLocks noChangeAspect="1"/>
+            <a:picLocks noChangeAspect="1" noChangeArrowheads="1"/>
           </p:cNvPicPr>
           <p:nvPr userDrawn="1"/>
         </p:nvPicPr>
@@ -4369,41 +4443,70 @@
               </a:ext>
             </a:extLst>
           </a:blip>
+          <a:srcRect/>
           <a:stretch>
             <a:fillRect/>
           </a:stretch>
         </p:blipFill>
-        <p:spPr>
+        <p:spPr bwMode="auto">
           <a:xfrm>
-            <a:off x="164157" y="6377374"/>
-            <a:ext cx="547043" cy="473042"/>
+            <a:off x="680783" y="6400800"/>
+            <a:ext cx="378477" cy="457200"/>
           </a:xfrm>
           <a:prstGeom prst="rect">
             <a:avLst/>
           </a:prstGeom>
+          <a:noFill/>
+          <a:extLst>
+            <a:ext uri="{909E8E84-426E-40DD-AFC4-6F175D3DCCD1}">
+              <a14:hiddenFill xmlns:a14="http://schemas.microsoft.com/office/drawing/2010/main">
+                <a:solidFill>
+                  <a:srgbClr val="FFFFFF"/>
+                </a:solidFill>
+              </a14:hiddenFill>
+            </a:ext>
+          </a:extLst>
         </p:spPr>
       </p:pic>
       <p:pic>
         <p:nvPicPr>
-          <p:cNvPr id="13" name="Picture 12" descr="PEPFAR Logo (JPG format).jpg"/>
+          <p:cNvPr id="16" name="Picture 2" descr="C:\Users\achafetz\Documents\GitHub\DIV\ICPI_Logo\ICPI_logo.png"/>
           <p:cNvPicPr>
-            <a:picLocks noChangeAspect="1"/>
+            <a:picLocks noChangeAspect="1" noChangeArrowheads="1"/>
           </p:cNvPicPr>
           <p:nvPr userDrawn="1"/>
         </p:nvPicPr>
-        <p:blipFill rotWithShape="1">
-          <a:blip r:embed="rId3" cstate="print"/>
-          <a:srcRect l="8681" t="8771" r="13513" b="13557"/>
-          <a:stretch/>
+        <p:blipFill>
+          <a:blip r:embed="rId3" cstate="print">
+            <a:extLst>
+              <a:ext uri="{28A0092B-C50C-407E-A947-70E740481C1C}">
+                <a14:useLocalDpi xmlns:a14="http://schemas.microsoft.com/office/drawing/2010/main" val="0"/>
+              </a:ext>
+            </a:extLst>
+          </a:blip>
+          <a:srcRect/>
+          <a:stretch>
+            <a:fillRect/>
+          </a:stretch>
         </p:blipFill>
-        <p:spPr>
+        <p:spPr bwMode="auto">
           <a:xfrm>
-            <a:off x="914401" y="6404345"/>
-            <a:ext cx="610657" cy="457200"/>
+            <a:off x="186221" y="6400799"/>
+            <a:ext cx="389226" cy="448697"/>
           </a:xfrm>
           <a:prstGeom prst="rect">
             <a:avLst/>
           </a:prstGeom>
+          <a:noFill/>
+          <a:extLst>
+            <a:ext uri="{909E8E84-426E-40DD-AFC4-6F175D3DCCD1}">
+              <a14:hiddenFill xmlns:a14="http://schemas.microsoft.com/office/drawing/2010/main">
+                <a:solidFill>
+                  <a:srgbClr val="FFFFFF"/>
+                </a:solidFill>
+              </a14:hiddenFill>
+            </a:ext>
+          </a:extLst>
         </p:spPr>
       </p:pic>
     </p:spTree>
@@ -4787,9 +4890,9 @@
       </p:sp>
       <p:pic>
         <p:nvPicPr>
-          <p:cNvPr id="6" name="Picture 5"/>
+          <p:cNvPr id="9" name="Picture 2" descr="Image result for pepfar logo"/>
           <p:cNvPicPr>
-            <a:picLocks noChangeAspect="1"/>
+            <a:picLocks noChangeAspect="1" noChangeArrowheads="1"/>
           </p:cNvPicPr>
           <p:nvPr userDrawn="1"/>
         </p:nvPicPr>
@@ -4801,41 +4904,70 @@
               </a:ext>
             </a:extLst>
           </a:blip>
+          <a:srcRect/>
           <a:stretch>
             <a:fillRect/>
           </a:stretch>
         </p:blipFill>
-        <p:spPr>
+        <p:spPr bwMode="auto">
           <a:xfrm>
-            <a:off x="164157" y="6377374"/>
-            <a:ext cx="547043" cy="473042"/>
+            <a:off x="680783" y="6400800"/>
+            <a:ext cx="378477" cy="457200"/>
           </a:xfrm>
           <a:prstGeom prst="rect">
             <a:avLst/>
           </a:prstGeom>
+          <a:noFill/>
+          <a:extLst>
+            <a:ext uri="{909E8E84-426E-40DD-AFC4-6F175D3DCCD1}">
+              <a14:hiddenFill xmlns:a14="http://schemas.microsoft.com/office/drawing/2010/main">
+                <a:solidFill>
+                  <a:srgbClr val="FFFFFF"/>
+                </a:solidFill>
+              </a14:hiddenFill>
+            </a:ext>
+          </a:extLst>
         </p:spPr>
       </p:pic>
       <p:pic>
         <p:nvPicPr>
-          <p:cNvPr id="8" name="Picture 7" descr="PEPFAR Logo (JPG format).jpg"/>
+          <p:cNvPr id="10" name="Picture 2" descr="C:\Users\achafetz\Documents\GitHub\DIV\ICPI_Logo\ICPI_logo.png"/>
           <p:cNvPicPr>
-            <a:picLocks noChangeAspect="1"/>
+            <a:picLocks noChangeAspect="1" noChangeArrowheads="1"/>
           </p:cNvPicPr>
           <p:nvPr userDrawn="1"/>
         </p:nvPicPr>
-        <p:blipFill rotWithShape="1">
-          <a:blip r:embed="rId3" cstate="print"/>
-          <a:srcRect l="8681" t="8771" r="13513" b="13557"/>
-          <a:stretch/>
+        <p:blipFill>
+          <a:blip r:embed="rId3" cstate="print">
+            <a:extLst>
+              <a:ext uri="{28A0092B-C50C-407E-A947-70E740481C1C}">
+                <a14:useLocalDpi xmlns:a14="http://schemas.microsoft.com/office/drawing/2010/main" val="0"/>
+              </a:ext>
+            </a:extLst>
+          </a:blip>
+          <a:srcRect/>
+          <a:stretch>
+            <a:fillRect/>
+          </a:stretch>
         </p:blipFill>
-        <p:spPr>
+        <p:spPr bwMode="auto">
           <a:xfrm>
-            <a:off x="914401" y="6404345"/>
-            <a:ext cx="610657" cy="457200"/>
+            <a:off x="186221" y="6400799"/>
+            <a:ext cx="389226" cy="448697"/>
           </a:xfrm>
           <a:prstGeom prst="rect">
             <a:avLst/>
           </a:prstGeom>
+          <a:noFill/>
+          <a:extLst>
+            <a:ext uri="{909E8E84-426E-40DD-AFC4-6F175D3DCCD1}">
+              <a14:hiddenFill xmlns:a14="http://schemas.microsoft.com/office/drawing/2010/main">
+                <a:solidFill>
+                  <a:srgbClr val="FFFFFF"/>
+                </a:solidFill>
+              </a14:hiddenFill>
+            </a:ext>
+          </a:extLst>
         </p:spPr>
       </p:pic>
     </p:spTree>
@@ -4943,9 +5075,9 @@
       </p:sp>
       <p:pic>
         <p:nvPicPr>
-          <p:cNvPr id="4" name="Picture 3"/>
+          <p:cNvPr id="7" name="Picture 2" descr="Image result for pepfar logo"/>
           <p:cNvPicPr>
-            <a:picLocks noChangeAspect="1"/>
+            <a:picLocks noChangeAspect="1" noChangeArrowheads="1"/>
           </p:cNvPicPr>
           <p:nvPr userDrawn="1"/>
         </p:nvPicPr>
@@ -4957,41 +5089,70 @@
               </a:ext>
             </a:extLst>
           </a:blip>
+          <a:srcRect/>
           <a:stretch>
             <a:fillRect/>
           </a:stretch>
         </p:blipFill>
-        <p:spPr>
+        <p:spPr bwMode="auto">
           <a:xfrm>
-            <a:off x="164157" y="6377374"/>
-            <a:ext cx="547043" cy="473042"/>
+            <a:off x="680783" y="6400800"/>
+            <a:ext cx="378477" cy="457200"/>
           </a:xfrm>
           <a:prstGeom prst="rect">
             <a:avLst/>
           </a:prstGeom>
+          <a:noFill/>
+          <a:extLst>
+            <a:ext uri="{909E8E84-426E-40DD-AFC4-6F175D3DCCD1}">
+              <a14:hiddenFill xmlns:a14="http://schemas.microsoft.com/office/drawing/2010/main">
+                <a:solidFill>
+                  <a:srgbClr val="FFFFFF"/>
+                </a:solidFill>
+              </a14:hiddenFill>
+            </a:ext>
+          </a:extLst>
         </p:spPr>
       </p:pic>
       <p:pic>
         <p:nvPicPr>
-          <p:cNvPr id="6" name="Picture 5" descr="PEPFAR Logo (JPG format).jpg"/>
+          <p:cNvPr id="8" name="Picture 2" descr="C:\Users\achafetz\Documents\GitHub\DIV\ICPI_Logo\ICPI_logo.png"/>
           <p:cNvPicPr>
-            <a:picLocks noChangeAspect="1"/>
+            <a:picLocks noChangeAspect="1" noChangeArrowheads="1"/>
           </p:cNvPicPr>
           <p:nvPr userDrawn="1"/>
         </p:nvPicPr>
-        <p:blipFill rotWithShape="1">
-          <a:blip r:embed="rId3" cstate="print"/>
-          <a:srcRect l="8681" t="8771" r="13513" b="13557"/>
-          <a:stretch/>
+        <p:blipFill>
+          <a:blip r:embed="rId3" cstate="print">
+            <a:extLst>
+              <a:ext uri="{28A0092B-C50C-407E-A947-70E740481C1C}">
+                <a14:useLocalDpi xmlns:a14="http://schemas.microsoft.com/office/drawing/2010/main" val="0"/>
+              </a:ext>
+            </a:extLst>
+          </a:blip>
+          <a:srcRect/>
+          <a:stretch>
+            <a:fillRect/>
+          </a:stretch>
         </p:blipFill>
-        <p:spPr>
+        <p:spPr bwMode="auto">
           <a:xfrm>
-            <a:off x="914401" y="6404345"/>
-            <a:ext cx="610657" cy="457200"/>
+            <a:off x="186221" y="6400799"/>
+            <a:ext cx="389226" cy="448697"/>
           </a:xfrm>
           <a:prstGeom prst="rect">
             <a:avLst/>
           </a:prstGeom>
+          <a:noFill/>
+          <a:extLst>
+            <a:ext uri="{909E8E84-426E-40DD-AFC4-6F175D3DCCD1}">
+              <a14:hiddenFill xmlns:a14="http://schemas.microsoft.com/office/drawing/2010/main">
+                <a:solidFill>
+                  <a:srgbClr val="FFFFFF"/>
+                </a:solidFill>
+              </a14:hiddenFill>
+            </a:ext>
+          </a:extLst>
         </p:spPr>
       </p:pic>
     </p:spTree>
@@ -5542,6 +5703,13 @@
   <p:clrMapOvr>
     <a:masterClrMapping/>
   </p:clrMapOvr>
+  <p:timing>
+    <p:tnLst>
+      <p:par>
+        <p:cTn id="1" dur="indefinite" restart="never" nodeType="tmRoot"/>
+      </p:par>
+    </p:tnLst>
+  </p:timing>
 </p:sldLayout>
 </file>
 
@@ -6019,6 +6187,13 @@
   <p:clrMapOvr>
     <a:masterClrMapping/>
   </p:clrMapOvr>
+  <p:timing>
+    <p:tnLst>
+      <p:par>
+        <p:cTn id="1" dur="indefinite" restart="never" nodeType="tmRoot"/>
+      </p:par>
+    </p:tnLst>
+  </p:timing>
 </p:sldLayout>
 </file>
 
@@ -6457,6 +6632,13 @@
   <p:clrMapOvr>
     <a:masterClrMapping/>
   </p:clrMapOvr>
+  <p:timing>
+    <p:tnLst>
+      <p:par>
+        <p:cTn id="1" dur="indefinite" restart="never" nodeType="tmRoot"/>
+      </p:par>
+    </p:tnLst>
+  </p:timing>
 </p:sldLayout>
 </file>
 
@@ -6553,6 +6735,13 @@
   <p:clrMapOvr>
     <a:masterClrMapping/>
   </p:clrMapOvr>
+  <p:timing>
+    <p:tnLst>
+      <p:par>
+        <p:cTn id="1" dur="indefinite" restart="never" nodeType="tmRoot"/>
+      </p:par>
+    </p:tnLst>
+  </p:timing>
 </p:sldLayout>
 </file>
 
@@ -7720,10 +7909,10 @@
           <a:lstStyle/>
           <a:p>
             <a:r>
-              <a:rPr lang="en-US" dirty="0" smtClean="0"/>
+              <a:rPr lang="en-US" sz="4400" dirty="0" smtClean="0"/>
               <a:t>Managing Projects with GitHub</a:t>
             </a:r>
-            <a:endParaRPr lang="en-US" dirty="0"/>
+            <a:endParaRPr lang="en-US" sz="4400" dirty="0"/>
           </a:p>
         </p:txBody>
       </p:sp>
@@ -7740,7 +7929,7 @@
         <p:spPr/>
         <p:txBody>
           <a:bodyPr>
-            <a:normAutofit/>
+            <a:normAutofit lnSpcReduction="10000"/>
           </a:bodyPr>
           <a:lstStyle/>
           <a:p>
@@ -7752,25 +7941,169 @@
           <a:p>
             <a:r>
               <a:rPr lang="en-US" sz="2000" dirty="0" smtClean="0"/>
-              <a:t>Katie O’Connor, </a:t>
-            </a:r>
-            <a:r>
-              <a:rPr lang="en-US" sz="2000" dirty="0" smtClean="0">
-                <a:hlinkClick r:id="rId3"/>
-              </a:rPr>
+              <a:t>Katie </a:t>
+            </a:r>
+            <a:r>
+              <a:rPr lang="en-US" sz="2000" dirty="0" smtClean="0"/>
+              <a:t>O’Connor</a:t>
+            </a:r>
+          </a:p>
+          <a:p>
+            <a:r>
+              <a:rPr lang="en-US" sz="1500" dirty="0" smtClean="0"/>
               <a:t>iyo6@cdc.gov</a:t>
             </a:r>
-            <a:endParaRPr lang="en-US" sz="2000" dirty="0" smtClean="0"/>
-          </a:p>
-          <a:p>
-            <a:r>
-              <a:rPr lang="en-US" sz="2000" dirty="0" smtClean="0"/>
+            <a:endParaRPr lang="en-US" sz="1500" dirty="0" smtClean="0"/>
+          </a:p>
+          <a:p>
+            <a:r>
+              <a:rPr lang="en-US" sz="1500" dirty="0" smtClean="0"/>
               <a:t>August 9, 2018</a:t>
             </a:r>
-            <a:endParaRPr lang="en-US" sz="2000" dirty="0"/>
-          </a:p>
-        </p:txBody>
-      </p:sp>
+            <a:endParaRPr lang="en-US" sz="1500" dirty="0"/>
+          </a:p>
+        </p:txBody>
+      </p:sp>
+      <p:grpSp>
+        <p:nvGrpSpPr>
+          <p:cNvPr id="4" name="Group 3"/>
+          <p:cNvGrpSpPr/>
+          <p:nvPr/>
+        </p:nvGrpSpPr>
+        <p:grpSpPr>
+          <a:xfrm>
+            <a:off x="11506200" y="6096000"/>
+            <a:ext cx="685800" cy="762000"/>
+            <a:chOff x="4991100" y="2724150"/>
+            <a:chExt cx="685800" cy="762000"/>
+          </a:xfrm>
+        </p:grpSpPr>
+        <p:sp>
+          <p:nvSpPr>
+            <p:cNvPr id="5" name="Title 1"/>
+            <p:cNvSpPr txBox="1">
+              <a:spLocks/>
+            </p:cNvSpPr>
+            <p:nvPr/>
+          </p:nvSpPr>
+          <p:spPr>
+            <a:xfrm>
+              <a:off x="4991100" y="2724150"/>
+              <a:ext cx="685800" cy="762000"/>
+            </a:xfrm>
+            <a:prstGeom prst="rect">
+              <a:avLst/>
+            </a:prstGeom>
+          </p:spPr>
+          <p:txBody>
+            <a:bodyPr vert="horz" lIns="91440" tIns="45720" rIns="91440" bIns="45720" rtlCol="0" anchor="ctr">
+              <a:noAutofit/>
+            </a:bodyPr>
+            <a:lstStyle>
+              <a:lvl1pPr algn="ctr" defTabSz="914400" rtl="0" eaLnBrk="1" latinLnBrk="0" hangingPunct="1">
+                <a:spcBef>
+                  <a:spcPct val="0"/>
+                </a:spcBef>
+                <a:buNone/>
+                <a:defRPr sz="4400" kern="1200">
+                  <a:solidFill>
+                    <a:schemeClr val="tx1"/>
+                  </a:solidFill>
+                  <a:latin typeface="+mj-lt"/>
+                  <a:ea typeface="+mj-ea"/>
+                  <a:cs typeface="+mj-cs"/>
+                </a:defRPr>
+              </a:lvl1pPr>
+            </a:lstStyle>
+            <a:p>
+              <a:r>
+                <a:rPr lang="en-US" sz="2000" dirty="0" smtClean="0">
+                  <a:solidFill>
+                    <a:schemeClr val="bg1"/>
+                  </a:solidFill>
+                  <a:latin typeface="Aharoni" panose="02010803020104030203" pitchFamily="2" charset="-79"/>
+                  <a:cs typeface="Aharoni" panose="02010803020104030203" pitchFamily="2" charset="-79"/>
+                </a:rPr>
+                <a:t>504</a:t>
+              </a:r>
+            </a:p>
+            <a:p>
+              <a:r>
+                <a:rPr lang="en-US" sz="1500" dirty="0" smtClean="0">
+                  <a:solidFill>
+                    <a:schemeClr val="bg1"/>
+                  </a:solidFill>
+                  <a:latin typeface="Aharoni" panose="02010803020104030203" pitchFamily="2" charset="-79"/>
+                  <a:cs typeface="Aharoni" panose="02010803020104030203" pitchFamily="2" charset="-79"/>
+                </a:rPr>
+                <a:t>gcb</a:t>
+              </a:r>
+              <a:endParaRPr lang="en-US" sz="1500" dirty="0">
+                <a:solidFill>
+                  <a:schemeClr val="bg1"/>
+                </a:solidFill>
+                <a:latin typeface="Aharoni" panose="02010803020104030203" pitchFamily="2" charset="-79"/>
+                <a:cs typeface="Aharoni" panose="02010803020104030203" pitchFamily="2" charset="-79"/>
+              </a:endParaRPr>
+            </a:p>
+          </p:txBody>
+        </p:sp>
+        <p:sp>
+          <p:nvSpPr>
+            <p:cNvPr id="6" name="Rectangle 5"/>
+            <p:cNvSpPr/>
+            <p:nvPr/>
+          </p:nvSpPr>
+          <p:spPr>
+            <a:xfrm>
+              <a:off x="5105400" y="2876550"/>
+              <a:ext cx="457200" cy="533400"/>
+            </a:xfrm>
+            <a:prstGeom prst="rect">
+              <a:avLst/>
+            </a:prstGeom>
+            <a:noFill/>
+            <a:ln>
+              <a:solidFill>
+                <a:schemeClr val="bg1"/>
+              </a:solidFill>
+            </a:ln>
+          </p:spPr>
+          <p:style>
+            <a:lnRef idx="2">
+              <a:schemeClr val="accent1">
+                <a:shade val="50000"/>
+              </a:schemeClr>
+            </a:lnRef>
+            <a:fillRef idx="1">
+              <a:schemeClr val="accent1"/>
+            </a:fillRef>
+            <a:effectRef idx="0">
+              <a:schemeClr val="accent1"/>
+            </a:effectRef>
+            <a:fontRef idx="minor">
+              <a:schemeClr val="lt1"/>
+            </a:fontRef>
+          </p:style>
+          <p:txBody>
+            <a:bodyPr rtlCol="0" anchor="ctr"/>
+            <a:lstStyle/>
+            <a:p>
+              <a:pPr algn="ctr"/>
+              <a:endParaRPr lang="en-US">
+                <a:ln>
+                  <a:solidFill>
+                    <a:schemeClr val="bg1"/>
+                  </a:solidFill>
+                </a:ln>
+                <a:solidFill>
+                  <a:schemeClr val="bg1"/>
+                </a:solidFill>
+              </a:endParaRPr>
+            </a:p>
+          </p:txBody>
+        </p:sp>
+      </p:grpSp>
     </p:spTree>
     <p:extLst>
       <p:ext uri="{BB962C8B-B14F-4D97-AF65-F5344CB8AC3E}">
@@ -7781,6 +8114,13 @@
   <p:clrMapOvr>
     <a:masterClrMapping/>
   </p:clrMapOvr>
+  <p:timing>
+    <p:tnLst>
+      <p:par>
+        <p:cTn id="1" dur="indefinite" restart="never" nodeType="tmRoot"/>
+      </p:par>
+    </p:tnLst>
+  </p:timing>
 </p:sld>
 </file>
 
@@ -8306,6 +8646,13 @@
   <p:clrMapOvr>
     <a:masterClrMapping/>
   </p:clrMapOvr>
+  <p:timing>
+    <p:tnLst>
+      <p:par>
+        <p:cTn id="1" dur="indefinite" restart="never" nodeType="tmRoot"/>
+      </p:par>
+    </p:tnLst>
+  </p:timing>
 </p:sld>
 </file>
 
@@ -8343,15 +8690,7 @@
           <a:p>
             <a:r>
               <a:rPr lang="en-US" dirty="0" smtClean="0"/>
-              <a:t>Commit, </a:t>
-            </a:r>
-            <a:r>
-              <a:rPr lang="en-US" dirty="0" smtClean="0"/>
-              <a:t>Contributor, History, Change file</a:t>
-            </a:r>
-            <a:r>
-              <a:rPr lang="en-US" dirty="0" smtClean="0"/>
-              <a:t>	</a:t>
+              <a:t>Commit, Contributor, History, Change file	</a:t>
             </a:r>
             <a:endParaRPr lang="en-US" dirty="0"/>
           </a:p>
@@ -8380,15 +8719,7 @@
             </a:r>
             <a:r>
               <a:rPr lang="en-US" dirty="0" smtClean="0"/>
-              <a:t> </a:t>
-            </a:r>
-            <a:r>
-              <a:rPr lang="en-US" dirty="0" smtClean="0"/>
-              <a:t>– the changes you have made to the master file in your </a:t>
-            </a:r>
-            <a:r>
-              <a:rPr lang="en-US" dirty="0" smtClean="0"/>
-              <a:t>repo (editing the file)</a:t>
+              <a:t> – the changes you have made to the master file in your repo (editing the file)</a:t>
             </a:r>
           </a:p>
           <a:p>
@@ -8496,6 +8827,13 @@
   <p:clrMapOvr>
     <a:masterClrMapping/>
   </p:clrMapOvr>
+  <p:timing>
+    <p:tnLst>
+      <p:par>
+        <p:cTn id="1" dur="indefinite" restart="never" nodeType="tmRoot"/>
+      </p:par>
+    </p:tnLst>
+  </p:timing>
 </p:sld>
 </file>
 
@@ -8669,6 +9007,13 @@
   <p:clrMapOvr>
     <a:masterClrMapping/>
   </p:clrMapOvr>
+  <p:timing>
+    <p:tnLst>
+      <p:par>
+        <p:cTn id="1" dur="indefinite" restart="never" nodeType="tmRoot"/>
+      </p:par>
+    </p:tnLst>
+  </p:timing>
 </p:sld>
 </file>
 
@@ -9242,6 +9587,13 @@
   <p:clrMapOvr>
     <a:masterClrMapping/>
   </p:clrMapOvr>
+  <p:timing>
+    <p:tnLst>
+      <p:par>
+        <p:cTn id="1" dur="indefinite" restart="never" nodeType="tmRoot"/>
+      </p:par>
+    </p:tnLst>
+  </p:timing>
 </p:sld>
 </file>
 
@@ -10178,6 +10530,13 @@
   <p:clrMapOvr>
     <a:masterClrMapping/>
   </p:clrMapOvr>
+  <p:timing>
+    <p:tnLst>
+      <p:par>
+        <p:cTn id="1" dur="indefinite" restart="never" nodeType="tmRoot"/>
+      </p:par>
+    </p:tnLst>
+  </p:timing>
 </p:sld>
 </file>
 
@@ -10214,12 +10573,12 @@
           <a:lstStyle/>
           <a:p>
             <a:r>
-              <a:rPr lang="en-US" dirty="0" err="1" smtClean="0"/>
-              <a:t>ReadME</a:t>
-            </a:r>
-            <a:r>
-              <a:rPr lang="en-US" dirty="0" smtClean="0"/>
-              <a:t> file	</a:t>
+              <a:rPr lang="en-US" dirty="0" smtClean="0"/>
+              <a:t>README </a:t>
+            </a:r>
+            <a:r>
+              <a:rPr lang="en-US" dirty="0" smtClean="0"/>
+              <a:t>file	</a:t>
             </a:r>
             <a:endParaRPr lang="en-US" dirty="0"/>
           </a:p>
@@ -10331,6 +10690,13 @@
   <p:clrMapOvr>
     <a:masterClrMapping/>
   </p:clrMapOvr>
+  <p:timing>
+    <p:tnLst>
+      <p:par>
+        <p:cTn id="1" dur="indefinite" restart="never" nodeType="tmRoot"/>
+      </p:par>
+    </p:tnLst>
+  </p:timing>
 </p:sld>
 </file>
 
@@ -11366,7 +11732,7 @@
   <a:extraClrSchemeLst/>
   <a:extLst>
     <a:ext uri="{05A4C25C-085E-4340-85A3-A5531E510DB2}">
-      <thm15:themeFamily xmlns:thm15="http://schemas.microsoft.com/office/thememl/2012/main" name="Office Theme" id="{62F939B6-93AF-4DB8-9C6B-D6C7DFDC589F}" vid="{4A3C46E8-61CC-4603-A589-7422A47A8E4A}"/>
+      <thm15:themeFamily xmlns:thm15="http://schemas.microsoft.com/office/thememl/2012/main" xmlns="" name="Office Theme" id="{62F939B6-93AF-4DB8-9C6B-D6C7DFDC589F}" vid="{4A3C46E8-61CC-4603-A589-7422A47A8E4A}"/>
     </a:ext>
   </a:extLst>
 </a:theme>
